--- a/идея игры карточн.pptx
+++ b/идея игры карточн.pptx
@@ -6,8 +6,9 @@
   </p:sldMasterIdLst>
   <p:sldIdLst>
     <p:sldId id="256" r:id="rId2"/>
-    <p:sldId id="258" r:id="rId3"/>
+    <p:sldId id="259" r:id="rId3"/>
     <p:sldId id="257" r:id="rId4"/>
+    <p:sldId id="258" r:id="rId5"/>
   </p:sldIdLst>
   <p:sldSz cx="12192000" cy="6858000"/>
   <p:notesSz cx="6858000" cy="9144000"/>
@@ -261,7 +262,7 @@
           <a:p>
             <a:fld id="{B961244D-AF7F-4AFD-85CE-3D3596E61EB6}" type="datetimeFigureOut">
               <a:rPr lang="ru-RU" smtClean="0"/>
-              <a:t>29.03.2025</a:t>
+              <a:t>01.04.2025</a:t>
             </a:fld>
             <a:endParaRPr lang="ru-RU"/>
           </a:p>
@@ -459,7 +460,7 @@
           <a:p>
             <a:fld id="{B961244D-AF7F-4AFD-85CE-3D3596E61EB6}" type="datetimeFigureOut">
               <a:rPr lang="ru-RU" smtClean="0"/>
-              <a:t>29.03.2025</a:t>
+              <a:t>01.04.2025</a:t>
             </a:fld>
             <a:endParaRPr lang="ru-RU"/>
           </a:p>
@@ -667,7 +668,7 @@
           <a:p>
             <a:fld id="{B961244D-AF7F-4AFD-85CE-3D3596E61EB6}" type="datetimeFigureOut">
               <a:rPr lang="ru-RU" smtClean="0"/>
-              <a:t>29.03.2025</a:t>
+              <a:t>01.04.2025</a:t>
             </a:fld>
             <a:endParaRPr lang="ru-RU"/>
           </a:p>
@@ -865,7 +866,7 @@
           <a:p>
             <a:fld id="{B961244D-AF7F-4AFD-85CE-3D3596E61EB6}" type="datetimeFigureOut">
               <a:rPr lang="ru-RU" smtClean="0"/>
-              <a:t>29.03.2025</a:t>
+              <a:t>01.04.2025</a:t>
             </a:fld>
             <a:endParaRPr lang="ru-RU"/>
           </a:p>
@@ -1140,7 +1141,7 @@
           <a:p>
             <a:fld id="{B961244D-AF7F-4AFD-85CE-3D3596E61EB6}" type="datetimeFigureOut">
               <a:rPr lang="ru-RU" smtClean="0"/>
-              <a:t>29.03.2025</a:t>
+              <a:t>01.04.2025</a:t>
             </a:fld>
             <a:endParaRPr lang="ru-RU"/>
           </a:p>
@@ -1405,7 +1406,7 @@
           <a:p>
             <a:fld id="{B961244D-AF7F-4AFD-85CE-3D3596E61EB6}" type="datetimeFigureOut">
               <a:rPr lang="ru-RU" smtClean="0"/>
-              <a:t>29.03.2025</a:t>
+              <a:t>01.04.2025</a:t>
             </a:fld>
             <a:endParaRPr lang="ru-RU"/>
           </a:p>
@@ -1817,7 +1818,7 @@
           <a:p>
             <a:fld id="{B961244D-AF7F-4AFD-85CE-3D3596E61EB6}" type="datetimeFigureOut">
               <a:rPr lang="ru-RU" smtClean="0"/>
-              <a:t>29.03.2025</a:t>
+              <a:t>01.04.2025</a:t>
             </a:fld>
             <a:endParaRPr lang="ru-RU"/>
           </a:p>
@@ -1958,7 +1959,7 @@
           <a:p>
             <a:fld id="{B961244D-AF7F-4AFD-85CE-3D3596E61EB6}" type="datetimeFigureOut">
               <a:rPr lang="ru-RU" smtClean="0"/>
-              <a:t>29.03.2025</a:t>
+              <a:t>01.04.2025</a:t>
             </a:fld>
             <a:endParaRPr lang="ru-RU"/>
           </a:p>
@@ -2071,7 +2072,7 @@
           <a:p>
             <a:fld id="{B961244D-AF7F-4AFD-85CE-3D3596E61EB6}" type="datetimeFigureOut">
               <a:rPr lang="ru-RU" smtClean="0"/>
-              <a:t>29.03.2025</a:t>
+              <a:t>01.04.2025</a:t>
             </a:fld>
             <a:endParaRPr lang="ru-RU"/>
           </a:p>
@@ -2382,7 +2383,7 @@
           <a:p>
             <a:fld id="{B961244D-AF7F-4AFD-85CE-3D3596E61EB6}" type="datetimeFigureOut">
               <a:rPr lang="ru-RU" smtClean="0"/>
-              <a:t>29.03.2025</a:t>
+              <a:t>01.04.2025</a:t>
             </a:fld>
             <a:endParaRPr lang="ru-RU"/>
           </a:p>
@@ -2670,7 +2671,7 @@
           <a:p>
             <a:fld id="{B961244D-AF7F-4AFD-85CE-3D3596E61EB6}" type="datetimeFigureOut">
               <a:rPr lang="ru-RU" smtClean="0"/>
-              <a:t>29.03.2025</a:t>
+              <a:t>01.04.2025</a:t>
             </a:fld>
             <a:endParaRPr lang="ru-RU"/>
           </a:p>
@@ -2911,7 +2912,7 @@
           <a:p>
             <a:fld id="{B961244D-AF7F-4AFD-85CE-3D3596E61EB6}" type="datetimeFigureOut">
               <a:rPr lang="ru-RU" smtClean="0"/>
-              <a:t>29.03.2025</a:t>
+              <a:t>01.04.2025</a:t>
             </a:fld>
             <a:endParaRPr lang="ru-RU"/>
           </a:p>
@@ -3352,7 +3353,7 @@
         </p:spPr>
         <p:txBody>
           <a:bodyPr>
-            <a:normAutofit fontScale="70000" lnSpcReduction="20000"/>
+            <a:normAutofit fontScale="55000" lnSpcReduction="20000"/>
           </a:bodyPr>
           <a:lstStyle/>
           <a:p>
@@ -3362,8 +3363,13 @@
             </a:pPr>
             <a:r>
               <a:rPr lang="ru-RU" sz="4400" dirty="0"/>
-              <a:t>Пошаговая карточная игра против противника</a:t>
-            </a:r>
+              <a:t>2д Пошаговая карточная игра с элементами </a:t>
+            </a:r>
+            <a:r>
+              <a:rPr lang="ru-RU" sz="4400" dirty="0" err="1"/>
+              <a:t>автобатлера</a:t>
+            </a:r>
+            <a:endParaRPr lang="ru-RU" sz="4400" dirty="0"/>
           </a:p>
           <a:p>
             <a:pPr marL="571500" indent="-571500">
@@ -3372,7 +3378,7 @@
             </a:pPr>
             <a:r>
               <a:rPr lang="ru-RU" sz="4400" dirty="0"/>
-              <a:t>У игрока на столе стоит его фигура со очками здоровья</a:t>
+              <a:t>У игрока на столе стоит его фигурка со очками здоровья</a:t>
             </a:r>
           </a:p>
           <a:p>
@@ -3382,7 +3388,7 @@
             </a:pPr>
             <a:r>
               <a:rPr lang="ru-RU" sz="4400" dirty="0"/>
-              <a:t>Каждый ход игрок берет карту, а начинает игру с </a:t>
+              <a:t>Игрок начинает игру с </a:t>
             </a:r>
             <a:r>
               <a:rPr lang="en-US" sz="4400" dirty="0"/>
@@ -3400,7 +3406,7 @@
             </a:pPr>
             <a:r>
               <a:rPr lang="ru-RU" sz="4400" dirty="0"/>
-              <a:t>Карты позволяют ставить на стол предметы за определенную стоимость, общая доступная стоимость карт обновляется каждый ход и постепенно увеличивается</a:t>
+              <a:t>Когда игрок использует карту на свободное место то она исчезает и на месте появляется предмет</a:t>
             </a:r>
           </a:p>
           <a:p>
@@ -3410,14 +3416,7 @@
             </a:pPr>
             <a:r>
               <a:rPr lang="ru-RU" sz="4400" dirty="0"/>
-              <a:t>Перед ходом игрок выбирает действия для всех своих предметов(действия могут как наносить урон, так и быть уникальными, зависит от предмета)</a:t>
-            </a:r>
-            <a:br>
-              <a:rPr lang="ru-RU" sz="4400" dirty="0"/>
-            </a:br>
-            <a:r>
-              <a:rPr lang="ru-RU" sz="4400" dirty="0"/>
-              <a:t>Параллельно он может выбирать действия своей фигурки</a:t>
+              <a:t>У предметов есть свои очки прочности, если они опустятся до нуля то предмет сломается и восстановится только в следующем раунде</a:t>
             </a:r>
           </a:p>
           <a:p>
@@ -3427,7 +3426,49 @@
             </a:pPr>
             <a:r>
               <a:rPr lang="ru-RU" sz="4400" dirty="0"/>
-              <a:t>Затем начинается ход противника, противник ходит по таким же правилам</a:t>
+              <a:t>Если использовать ту же карту на предмет он улучшится</a:t>
+            </a:r>
+          </a:p>
+          <a:p>
+            <a:pPr marL="571500" indent="-571500">
+              <a:buFont typeface="Arial" panose="020B0604020202020204" pitchFamily="34" charset="0"/>
+              <a:buChar char="•"/>
+            </a:pPr>
+            <a:r>
+              <a:rPr lang="ru-RU" sz="4400" dirty="0"/>
+              <a:t>Карты покупаются в магазине между боями</a:t>
+            </a:r>
+          </a:p>
+          <a:p>
+            <a:pPr marL="571500" indent="-571500">
+              <a:buFont typeface="Arial" panose="020B0604020202020204" pitchFamily="34" charset="0"/>
+              <a:buChar char="•"/>
+            </a:pPr>
+            <a:r>
+              <a:rPr lang="ru-RU" sz="4400" dirty="0"/>
+              <a:t>Перед ходом игрок выбирает действия для всех своих предметов за очки энергии(действия могут как наносить урон, так и быть уникальными, зависит от предмета)</a:t>
+            </a:r>
+            <a:br>
+              <a:rPr lang="ru-RU" sz="4400" dirty="0"/>
+            </a:br>
+            <a:endParaRPr lang="ru-RU" sz="4400" dirty="0"/>
+          </a:p>
+          <a:p>
+            <a:pPr marL="571500" indent="-571500">
+              <a:buFont typeface="Arial" panose="020B0604020202020204" pitchFamily="34" charset="0"/>
+              <a:buChar char="•"/>
+            </a:pPr>
+            <a:r>
+              <a:rPr lang="ru-RU" sz="4400" dirty="0"/>
+              <a:t>Затем начинается ход противника(</a:t>
+            </a:r>
+            <a:r>
+              <a:rPr lang="ru-RU" sz="4400" dirty="0" err="1"/>
+              <a:t>ов</a:t>
+            </a:r>
+            <a:r>
+              <a:rPr lang="ru-RU" sz="4400" dirty="0"/>
+              <a:t>), они ходят по очереди при этом перед их ходом показывается их действие </a:t>
             </a:r>
           </a:p>
           <a:p>
@@ -3481,6 +3522,254 @@
       </p:grpSpPr>
       <p:pic>
         <p:nvPicPr>
+          <p:cNvPr id="5" name="Объект 4" descr="Изображение выглядит как зарисовка, рисунок, Штриховая графика, иллюстрация">
+            <a:extLst>
+              <a:ext uri="{FF2B5EF4-FFF2-40B4-BE49-F238E27FC236}">
+                <a16:creationId xmlns:a16="http://schemas.microsoft.com/office/drawing/2014/main" id="{6E080E42-5AE4-0A2E-A445-AE072E113EEE}"/>
+              </a:ext>
+            </a:extLst>
+          </p:cNvPr>
+          <p:cNvPicPr>
+            <a:picLocks noGrp="1" noChangeAspect="1"/>
+          </p:cNvPicPr>
+          <p:nvPr>
+            <p:ph idx="1"/>
+          </p:nvPr>
+        </p:nvPicPr>
+        <p:blipFill>
+          <a:blip r:embed="rId2">
+            <a:extLst>
+              <a:ext uri="{28A0092B-C50C-407E-A947-70E740481C1C}">
+                <a14:useLocalDpi xmlns:a14="http://schemas.microsoft.com/office/drawing/2010/main" val="0"/>
+              </a:ext>
+            </a:extLst>
+          </a:blip>
+          <a:stretch>
+            <a:fillRect/>
+          </a:stretch>
+        </p:blipFill>
+        <p:spPr>
+          <a:xfrm>
+            <a:off x="2136029" y="463593"/>
+            <a:ext cx="7799426" cy="5930814"/>
+          </a:xfrm>
+          <a:prstGeom prst="rect">
+            <a:avLst/>
+          </a:prstGeom>
+          <a:ln w="228600" cap="sq" cmpd="thickThin">
+            <a:solidFill>
+              <a:srgbClr val="000000"/>
+            </a:solidFill>
+            <a:prstDash val="solid"/>
+            <a:miter lim="800000"/>
+          </a:ln>
+          <a:effectLst>
+            <a:innerShdw blurRad="76200">
+              <a:srgbClr val="000000"/>
+            </a:innerShdw>
+          </a:effectLst>
+        </p:spPr>
+      </p:pic>
+    </p:spTree>
+    <p:extLst>
+      <p:ext uri="{BB962C8B-B14F-4D97-AF65-F5344CB8AC3E}">
+        <p14:creationId xmlns:p14="http://schemas.microsoft.com/office/powerpoint/2010/main" val="1320777927"/>
+      </p:ext>
+    </p:extLst>
+  </p:cSld>
+  <p:clrMapOvr>
+    <a:masterClrMapping/>
+  </p:clrMapOvr>
+</p:sld>
+</file>
+
+<file path=ppt/slides/slide3.xml><?xml version="1.0" encoding="utf-8"?>
+<p:sld xmlns:a="http://schemas.openxmlformats.org/drawingml/2006/main" xmlns:r="http://schemas.openxmlformats.org/officeDocument/2006/relationships" xmlns:p="http://schemas.openxmlformats.org/presentationml/2006/main">
+  <p:cSld>
+    <p:spTree>
+      <p:nvGrpSpPr>
+        <p:cNvPr id="1" name=""/>
+        <p:cNvGrpSpPr/>
+        <p:nvPr/>
+      </p:nvGrpSpPr>
+      <p:grpSpPr>
+        <a:xfrm>
+          <a:off x="0" y="0"/>
+          <a:ext cx="0" cy="0"/>
+          <a:chOff x="0" y="0"/>
+          <a:chExt cx="0" cy="0"/>
+        </a:xfrm>
+      </p:grpSpPr>
+      <p:pic>
+        <p:nvPicPr>
+          <p:cNvPr id="7" name="Рисунок 6">
+            <a:extLst>
+              <a:ext uri="{FF2B5EF4-FFF2-40B4-BE49-F238E27FC236}">
+                <a16:creationId xmlns:a16="http://schemas.microsoft.com/office/drawing/2014/main" id="{E0197616-0F81-490B-6CDB-2660BA8D2042}"/>
+              </a:ext>
+            </a:extLst>
+          </p:cNvPr>
+          <p:cNvPicPr>
+            <a:picLocks noChangeAspect="1"/>
+          </p:cNvPicPr>
+          <p:nvPr/>
+        </p:nvPicPr>
+        <p:blipFill>
+          <a:blip r:embed="rId2"/>
+          <a:stretch>
+            <a:fillRect/>
+          </a:stretch>
+        </p:blipFill>
+        <p:spPr>
+          <a:xfrm>
+            <a:off x="487647" y="2324846"/>
+            <a:ext cx="3718059" cy="3718059"/>
+          </a:xfrm>
+          <a:prstGeom prst="rect">
+            <a:avLst/>
+          </a:prstGeom>
+        </p:spPr>
+      </p:pic>
+      <p:pic>
+        <p:nvPicPr>
+          <p:cNvPr id="9" name="Рисунок 8">
+            <a:extLst>
+              <a:ext uri="{FF2B5EF4-FFF2-40B4-BE49-F238E27FC236}">
+                <a16:creationId xmlns:a16="http://schemas.microsoft.com/office/drawing/2014/main" id="{A2D0E776-99E4-7399-FD46-1FFD31EDD114}"/>
+              </a:ext>
+            </a:extLst>
+          </p:cNvPr>
+          <p:cNvPicPr>
+            <a:picLocks noChangeAspect="1"/>
+          </p:cNvPicPr>
+          <p:nvPr/>
+        </p:nvPicPr>
+        <p:blipFill>
+          <a:blip r:embed="rId3"/>
+          <a:stretch>
+            <a:fillRect/>
+          </a:stretch>
+        </p:blipFill>
+        <p:spPr>
+          <a:xfrm>
+            <a:off x="3956347" y="2223733"/>
+            <a:ext cx="3718059" cy="3718059"/>
+          </a:xfrm>
+          <a:prstGeom prst="rect">
+            <a:avLst/>
+          </a:prstGeom>
+        </p:spPr>
+      </p:pic>
+      <p:pic>
+        <p:nvPicPr>
+          <p:cNvPr id="21" name="Рисунок 20" descr="Изображение выглядит как бумажное полотенце, черно-белый, дизайн, искусство&#10;&#10;Контент, сгенерированный ИИ, может содержать ошибки.">
+            <a:extLst>
+              <a:ext uri="{FF2B5EF4-FFF2-40B4-BE49-F238E27FC236}">
+                <a16:creationId xmlns:a16="http://schemas.microsoft.com/office/drawing/2014/main" id="{3C6F321A-7C02-C25A-71E4-B07A09CEF9DA}"/>
+              </a:ext>
+            </a:extLst>
+          </p:cNvPr>
+          <p:cNvPicPr>
+            <a:picLocks noChangeAspect="1"/>
+          </p:cNvPicPr>
+          <p:nvPr/>
+        </p:nvPicPr>
+        <p:blipFill>
+          <a:blip r:embed="rId4">
+            <a:extLst>
+              <a:ext uri="{28A0092B-C50C-407E-A947-70E740481C1C}">
+                <a14:useLocalDpi xmlns:a14="http://schemas.microsoft.com/office/drawing/2010/main" val="0"/>
+              </a:ext>
+            </a:extLst>
+          </a:blip>
+          <a:stretch>
+            <a:fillRect/>
+          </a:stretch>
+        </p:blipFill>
+        <p:spPr>
+          <a:xfrm>
+            <a:off x="7732847" y="2324846"/>
+            <a:ext cx="3718059" cy="3718059"/>
+          </a:xfrm>
+          <a:prstGeom prst="rect">
+            <a:avLst/>
+          </a:prstGeom>
+        </p:spPr>
+      </p:pic>
+      <p:sp>
+        <p:nvSpPr>
+          <p:cNvPr id="22" name="TextBox 21">
+            <a:extLst>
+              <a:ext uri="{FF2B5EF4-FFF2-40B4-BE49-F238E27FC236}">
+                <a16:creationId xmlns:a16="http://schemas.microsoft.com/office/drawing/2014/main" id="{2EB28F1E-8D0B-969F-F2B1-48A7C5B69FD6}"/>
+              </a:ext>
+            </a:extLst>
+          </p:cNvPr>
+          <p:cNvSpPr txBox="1"/>
+          <p:nvPr/>
+        </p:nvSpPr>
+        <p:spPr>
+          <a:xfrm>
+            <a:off x="1899424" y="815095"/>
+            <a:ext cx="8351966" cy="1077218"/>
+          </a:xfrm>
+          <a:prstGeom prst="rect">
+            <a:avLst/>
+          </a:prstGeom>
+          <a:noFill/>
+        </p:spPr>
+        <p:txBody>
+          <a:bodyPr wrap="none" rtlCol="0">
+            <a:spAutoFit/>
+          </a:bodyPr>
+          <a:lstStyle/>
+          <a:p>
+            <a:r>
+              <a:rPr lang="ru-RU" sz="4400" dirty="0"/>
+              <a:t>Пример итоговой визуализации</a:t>
+            </a:r>
+            <a:br>
+              <a:rPr lang="ru-RU" sz="4400" dirty="0"/>
+            </a:br>
+            <a:r>
+              <a:rPr lang="ru-RU" sz="2000" dirty="0"/>
+              <a:t>(если получится то будут и анимации)</a:t>
+            </a:r>
+          </a:p>
+        </p:txBody>
+      </p:sp>
+    </p:spTree>
+    <p:extLst>
+      <p:ext uri="{BB962C8B-B14F-4D97-AF65-F5344CB8AC3E}">
+        <p14:creationId xmlns:p14="http://schemas.microsoft.com/office/powerpoint/2010/main" val="1558041460"/>
+      </p:ext>
+    </p:extLst>
+  </p:cSld>
+  <p:clrMapOvr>
+    <a:masterClrMapping/>
+  </p:clrMapOvr>
+</p:sld>
+</file>
+
+<file path=ppt/slides/slide4.xml><?xml version="1.0" encoding="utf-8"?>
+<p:sld xmlns:a="http://schemas.openxmlformats.org/drawingml/2006/main" xmlns:r="http://schemas.openxmlformats.org/officeDocument/2006/relationships" xmlns:p="http://schemas.openxmlformats.org/presentationml/2006/main">
+  <p:cSld>
+    <p:spTree>
+      <p:nvGrpSpPr>
+        <p:cNvPr id="1" name=""/>
+        <p:cNvGrpSpPr/>
+        <p:nvPr/>
+      </p:nvGrpSpPr>
+      <p:grpSpPr>
+        <a:xfrm>
+          <a:off x="0" y="0"/>
+          <a:ext cx="0" cy="0"/>
+          <a:chOff x="0" y="0"/>
+          <a:chExt cx="0" cy="0"/>
+        </a:xfrm>
+      </p:grpSpPr>
+      <p:pic>
+        <p:nvPicPr>
           <p:cNvPr id="1026" name="Picture 2" descr="Picture background">
             <a:extLst>
               <a:ext uri="{FF2B5EF4-FFF2-40B4-BE49-F238E27FC236}">
@@ -3634,8 +3923,8 @@
         </p:nvSpPr>
         <p:spPr>
           <a:xfrm>
-            <a:off x="3753223" y="705224"/>
-            <a:ext cx="5482591" cy="369332"/>
+            <a:off x="3211278" y="638549"/>
+            <a:ext cx="5548314" cy="646331"/>
           </a:xfrm>
           <a:prstGeom prst="rect">
             <a:avLst/>
@@ -3650,7 +3939,17 @@
           <a:p>
             <a:r>
               <a:rPr lang="ru-RU" dirty="0"/>
-              <a:t>Игры из которых буду бессовестно брать механики</a:t>
+              <a:t>Игры, </a:t>
+            </a:r>
+            <a:r>
+              <a:rPr lang="ru-RU" strike="sngStrike" dirty="0"/>
+              <a:t>из которых буду бессовестно брать механики</a:t>
+            </a:r>
+          </a:p>
+          <a:p>
+            <a:r>
+              <a:rPr lang="ru-RU" dirty="0"/>
+              <a:t>которыми буду вдохновляться</a:t>
             </a:r>
           </a:p>
         </p:txBody>
@@ -3659,167 +3958,6 @@
     <p:extLst>
       <p:ext uri="{BB962C8B-B14F-4D97-AF65-F5344CB8AC3E}">
         <p14:creationId xmlns:p14="http://schemas.microsoft.com/office/powerpoint/2010/main" val="4128214951"/>
-      </p:ext>
-    </p:extLst>
-  </p:cSld>
-  <p:clrMapOvr>
-    <a:masterClrMapping/>
-  </p:clrMapOvr>
-</p:sld>
-</file>
-
-<file path=ppt/slides/slide3.xml><?xml version="1.0" encoding="utf-8"?>
-<p:sld xmlns:a="http://schemas.openxmlformats.org/drawingml/2006/main" xmlns:r="http://schemas.openxmlformats.org/officeDocument/2006/relationships" xmlns:p="http://schemas.openxmlformats.org/presentationml/2006/main">
-  <p:cSld>
-    <p:spTree>
-      <p:nvGrpSpPr>
-        <p:cNvPr id="1" name=""/>
-        <p:cNvGrpSpPr/>
-        <p:nvPr/>
-      </p:nvGrpSpPr>
-      <p:grpSpPr>
-        <a:xfrm>
-          <a:off x="0" y="0"/>
-          <a:ext cx="0" cy="0"/>
-          <a:chOff x="0" y="0"/>
-          <a:chExt cx="0" cy="0"/>
-        </a:xfrm>
-      </p:grpSpPr>
-      <p:pic>
-        <p:nvPicPr>
-          <p:cNvPr id="7" name="Рисунок 6">
-            <a:extLst>
-              <a:ext uri="{FF2B5EF4-FFF2-40B4-BE49-F238E27FC236}">
-                <a16:creationId xmlns:a16="http://schemas.microsoft.com/office/drawing/2014/main" id="{E0197616-0F81-490B-6CDB-2660BA8D2042}"/>
-              </a:ext>
-            </a:extLst>
-          </p:cNvPr>
-          <p:cNvPicPr>
-            <a:picLocks noChangeAspect="1"/>
-          </p:cNvPicPr>
-          <p:nvPr/>
-        </p:nvPicPr>
-        <p:blipFill>
-          <a:blip r:embed="rId2"/>
-          <a:stretch>
-            <a:fillRect/>
-          </a:stretch>
-        </p:blipFill>
-        <p:spPr>
-          <a:xfrm>
-            <a:off x="487647" y="2324846"/>
-            <a:ext cx="3718059" cy="3718059"/>
-          </a:xfrm>
-          <a:prstGeom prst="rect">
-            <a:avLst/>
-          </a:prstGeom>
-        </p:spPr>
-      </p:pic>
-      <p:pic>
-        <p:nvPicPr>
-          <p:cNvPr id="9" name="Рисунок 8">
-            <a:extLst>
-              <a:ext uri="{FF2B5EF4-FFF2-40B4-BE49-F238E27FC236}">
-                <a16:creationId xmlns:a16="http://schemas.microsoft.com/office/drawing/2014/main" id="{A2D0E776-99E4-7399-FD46-1FFD31EDD114}"/>
-              </a:ext>
-            </a:extLst>
-          </p:cNvPr>
-          <p:cNvPicPr>
-            <a:picLocks noChangeAspect="1"/>
-          </p:cNvPicPr>
-          <p:nvPr/>
-        </p:nvPicPr>
-        <p:blipFill>
-          <a:blip r:embed="rId3"/>
-          <a:stretch>
-            <a:fillRect/>
-          </a:stretch>
-        </p:blipFill>
-        <p:spPr>
-          <a:xfrm>
-            <a:off x="3956347" y="2223733"/>
-            <a:ext cx="3718059" cy="3718059"/>
-          </a:xfrm>
-          <a:prstGeom prst="rect">
-            <a:avLst/>
-          </a:prstGeom>
-        </p:spPr>
-      </p:pic>
-      <p:pic>
-        <p:nvPicPr>
-          <p:cNvPr id="21" name="Рисунок 20" descr="Изображение выглядит как бумажное полотенце, черно-белый, дизайн, искусство&#10;&#10;Контент, сгенерированный ИИ, может содержать ошибки.">
-            <a:extLst>
-              <a:ext uri="{FF2B5EF4-FFF2-40B4-BE49-F238E27FC236}">
-                <a16:creationId xmlns:a16="http://schemas.microsoft.com/office/drawing/2014/main" id="{3C6F321A-7C02-C25A-71E4-B07A09CEF9DA}"/>
-              </a:ext>
-            </a:extLst>
-          </p:cNvPr>
-          <p:cNvPicPr>
-            <a:picLocks noChangeAspect="1"/>
-          </p:cNvPicPr>
-          <p:nvPr/>
-        </p:nvPicPr>
-        <p:blipFill>
-          <a:blip r:embed="rId4">
-            <a:extLst>
-              <a:ext uri="{28A0092B-C50C-407E-A947-70E740481C1C}">
-                <a14:useLocalDpi xmlns:a14="http://schemas.microsoft.com/office/drawing/2010/main" val="0"/>
-              </a:ext>
-            </a:extLst>
-          </a:blip>
-          <a:stretch>
-            <a:fillRect/>
-          </a:stretch>
-        </p:blipFill>
-        <p:spPr>
-          <a:xfrm>
-            <a:off x="7732847" y="2324846"/>
-            <a:ext cx="3718059" cy="3718059"/>
-          </a:xfrm>
-          <a:prstGeom prst="rect">
-            <a:avLst/>
-          </a:prstGeom>
-        </p:spPr>
-      </p:pic>
-      <p:sp>
-        <p:nvSpPr>
-          <p:cNvPr id="22" name="TextBox 21">
-            <a:extLst>
-              <a:ext uri="{FF2B5EF4-FFF2-40B4-BE49-F238E27FC236}">
-                <a16:creationId xmlns:a16="http://schemas.microsoft.com/office/drawing/2014/main" id="{2EB28F1E-8D0B-969F-F2B1-48A7C5B69FD6}"/>
-              </a:ext>
-            </a:extLst>
-          </p:cNvPr>
-          <p:cNvSpPr txBox="1"/>
-          <p:nvPr/>
-        </p:nvSpPr>
-        <p:spPr>
-          <a:xfrm>
-            <a:off x="1899424" y="815095"/>
-            <a:ext cx="5928226" cy="769441"/>
-          </a:xfrm>
-          <a:prstGeom prst="rect">
-            <a:avLst/>
-          </a:prstGeom>
-          <a:noFill/>
-        </p:spPr>
-        <p:txBody>
-          <a:bodyPr wrap="none" rtlCol="0">
-            <a:spAutoFit/>
-          </a:bodyPr>
-          <a:lstStyle/>
-          <a:p>
-            <a:r>
-              <a:rPr lang="ru-RU" sz="4400" dirty="0"/>
-              <a:t>Пример визуализации</a:t>
-            </a:r>
-          </a:p>
-        </p:txBody>
-      </p:sp>
-    </p:spTree>
-    <p:extLst>
-      <p:ext uri="{BB962C8B-B14F-4D97-AF65-F5344CB8AC3E}">
-        <p14:creationId xmlns:p14="http://schemas.microsoft.com/office/powerpoint/2010/main" val="1558041460"/>
       </p:ext>
     </p:extLst>
   </p:cSld>

--- a/идея игры карточн.pptx
+++ b/идея игры карточн.pptx
@@ -3347,13 +3347,13 @@
         </p:nvSpPr>
         <p:spPr>
           <a:xfrm>
-            <a:off x="541683" y="496956"/>
-            <a:ext cx="11459817" cy="6067839"/>
+            <a:off x="541683" y="109330"/>
+            <a:ext cx="11459817" cy="6689035"/>
           </a:xfrm>
         </p:spPr>
         <p:txBody>
           <a:bodyPr>
-            <a:normAutofit fontScale="55000" lnSpcReduction="20000"/>
+            <a:noAutofit/>
           </a:bodyPr>
           <a:lstStyle/>
           <a:p>
@@ -3362,14 +3362,30 @@
               <a:buChar char="•"/>
             </a:pPr>
             <a:r>
-              <a:rPr lang="ru-RU" sz="4400" dirty="0"/>
-              <a:t>2д Пошаговая карточная игра с элементами </a:t>
-            </a:r>
-            <a:r>
-              <a:rPr lang="ru-RU" sz="4400" dirty="0" err="1"/>
+              <a:rPr lang="ru-RU" dirty="0"/>
+              <a:t>2д Пошаговая </a:t>
+            </a:r>
+            <a:r>
+              <a:rPr lang="en-US" dirty="0"/>
+              <a:t>“</a:t>
+            </a:r>
+            <a:r>
+              <a:rPr lang="ru-RU" dirty="0"/>
+              <a:t>карточная</a:t>
+            </a:r>
+            <a:r>
+              <a:rPr lang="en-US" dirty="0"/>
+              <a:t>”</a:t>
+            </a:r>
+            <a:r>
+              <a:rPr lang="ru-RU" dirty="0"/>
+              <a:t> игра с элементами </a:t>
+            </a:r>
+            <a:r>
+              <a:rPr lang="ru-RU" dirty="0" err="1"/>
               <a:t>автобатлера</a:t>
             </a:r>
-            <a:endParaRPr lang="ru-RU" sz="4400" dirty="0"/>
+            <a:endParaRPr lang="ru-RU" dirty="0"/>
           </a:p>
           <a:p>
             <a:pPr marL="571500" indent="-571500">
@@ -3377,7 +3393,7 @@
               <a:buChar char="•"/>
             </a:pPr>
             <a:r>
-              <a:rPr lang="ru-RU" sz="4400" dirty="0"/>
+              <a:rPr lang="ru-RU" dirty="0"/>
               <a:t>У игрока на столе стоит его фигурка со очками здоровья</a:t>
             </a:r>
           </a:p>
@@ -3387,16 +3403,8 @@
               <a:buChar char="•"/>
             </a:pPr>
             <a:r>
-              <a:rPr lang="ru-RU" sz="4400" dirty="0"/>
-              <a:t>Игрок начинает игру с </a:t>
-            </a:r>
-            <a:r>
-              <a:rPr lang="en-US" sz="4400" dirty="0"/>
-              <a:t>X</a:t>
-            </a:r>
-            <a:r>
-              <a:rPr lang="ru-RU" sz="4400" dirty="0"/>
-              <a:t> карт</a:t>
+              <a:rPr lang="ru-RU" dirty="0"/>
+              <a:t>Рядом с игроком расположены поля для предметов</a:t>
             </a:r>
           </a:p>
           <a:p>
@@ -3405,8 +3413,8 @@
               <a:buChar char="•"/>
             </a:pPr>
             <a:r>
-              <a:rPr lang="ru-RU" sz="4400" dirty="0"/>
-              <a:t>Когда игрок использует карту на свободное место то она исчезает и на месте появляется предмет</a:t>
+              <a:rPr lang="ru-RU" dirty="0"/>
+              <a:t>Предметы покупаются в магазине между боями</a:t>
             </a:r>
           </a:p>
           <a:p>
@@ -3415,7 +3423,7 @@
               <a:buChar char="•"/>
             </a:pPr>
             <a:r>
-              <a:rPr lang="ru-RU" sz="4400" dirty="0"/>
+              <a:rPr lang="ru-RU" dirty="0"/>
               <a:t>У предметов есть свои очки прочности, если они опустятся до нуля то предмет сломается и восстановится только в следующем раунде</a:t>
             </a:r>
           </a:p>
@@ -3425,8 +3433,8 @@
               <a:buChar char="•"/>
             </a:pPr>
             <a:r>
-              <a:rPr lang="ru-RU" sz="4400" dirty="0"/>
-              <a:t>Если использовать ту же карту на предмет он улучшится</a:t>
+              <a:rPr lang="ru-RU" dirty="0"/>
+              <a:t>Если купить дубликат предмета он улучшится</a:t>
             </a:r>
           </a:p>
           <a:p>
@@ -3435,8 +3443,8 @@
               <a:buChar char="•"/>
             </a:pPr>
             <a:r>
-              <a:rPr lang="ru-RU" sz="4400" dirty="0"/>
-              <a:t>Карты покупаются в магазине между боями</a:t>
+              <a:rPr lang="ru-RU" dirty="0"/>
+              <a:t>Перед ходом игрок выбирает действия для всех своих предметов за очки энергии(действия могут как наносить урон, так и быть уникальными, зависит от предмета)</a:t>
             </a:r>
           </a:p>
           <a:p>
@@ -3445,13 +3453,17 @@
               <a:buChar char="•"/>
             </a:pPr>
             <a:r>
-              <a:rPr lang="ru-RU" sz="4400" dirty="0"/>
-              <a:t>Перед ходом игрок выбирает действия для всех своих предметов за очки энергии(действия могут как наносить урон, так и быть уникальными, зависит от предмета)</a:t>
-            </a:r>
-            <a:br>
-              <a:rPr lang="ru-RU" sz="4400" dirty="0"/>
-            </a:br>
-            <a:endParaRPr lang="ru-RU" sz="4400" dirty="0"/>
+              <a:rPr lang="ru-RU" dirty="0"/>
+              <a:t>Затем начинается ход противника(</a:t>
+            </a:r>
+            <a:r>
+              <a:rPr lang="ru-RU" dirty="0" err="1"/>
+              <a:t>ов</a:t>
+            </a:r>
+            <a:r>
+              <a:rPr lang="ru-RU" dirty="0"/>
+              <a:t>), они ходят по очереди при этом перед их ходом показывается их действие </a:t>
+            </a:r>
           </a:p>
           <a:p>
             <a:pPr marL="571500" indent="-571500">
@@ -3459,16 +3471,8 @@
               <a:buChar char="•"/>
             </a:pPr>
             <a:r>
-              <a:rPr lang="ru-RU" sz="4400" dirty="0"/>
-              <a:t>Затем начинается ход противника(</a:t>
-            </a:r>
-            <a:r>
-              <a:rPr lang="ru-RU" sz="4400" dirty="0" err="1"/>
-              <a:t>ов</a:t>
-            </a:r>
-            <a:r>
-              <a:rPr lang="ru-RU" sz="4400" dirty="0"/>
-              <a:t>), они ходят по очереди при этом перед их ходом показывается их действие </a:t>
+              <a:rPr lang="ru-RU" dirty="0"/>
+              <a:t>Противники могут бить только предметы</a:t>
             </a:r>
           </a:p>
           <a:p>
@@ -3477,8 +3481,8 @@
               <a:buChar char="•"/>
             </a:pPr>
             <a:r>
-              <a:rPr lang="ru-RU" sz="4400" dirty="0"/>
-              <a:t>Игрок побеждает если очки здоровья у фигурки противника опустятся до 0</a:t>
+              <a:rPr lang="ru-RU" dirty="0"/>
+              <a:t>Если все предметы сломались то игрок получает урон и сбегает</a:t>
             </a:r>
           </a:p>
           <a:p>
@@ -3486,7 +3490,16 @@
               <a:buFont typeface="Arial" panose="020B0604020202020204" pitchFamily="34" charset="0"/>
               <a:buChar char="•"/>
             </a:pPr>
-            <a:endParaRPr lang="ru-RU" sz="4400" dirty="0"/>
+            <a:r>
+              <a:rPr lang="ru-RU" dirty="0"/>
+              <a:t>Игрок побеждает если очки здоровья у фигурки противника опустятся до 0</a:t>
+            </a:r>
+          </a:p>
+          <a:p>
+            <a:r>
+              <a:rPr lang="ru-RU" dirty="0"/>
+              <a:t>И получает за это деньги, которые может потратить в магазине</a:t>
+            </a:r>
           </a:p>
         </p:txBody>
       </p:sp>
@@ -3520,21 +3533,54 @@
           <a:chExt cx="0" cy="0"/>
         </a:xfrm>
       </p:grpSpPr>
+      <p:sp>
+        <p:nvSpPr>
+          <p:cNvPr id="7" name="TextBox 6">
+            <a:extLst>
+              <a:ext uri="{FF2B5EF4-FFF2-40B4-BE49-F238E27FC236}">
+                <a16:creationId xmlns:a16="http://schemas.microsoft.com/office/drawing/2014/main" id="{3E18C59B-3027-C160-4803-A07912BB17FD}"/>
+              </a:ext>
+            </a:extLst>
+          </p:cNvPr>
+          <p:cNvSpPr txBox="1"/>
+          <p:nvPr/>
+        </p:nvSpPr>
+        <p:spPr>
+          <a:xfrm>
+            <a:off x="4432853" y="243300"/>
+            <a:ext cx="1723549" cy="584775"/>
+          </a:xfrm>
+          <a:prstGeom prst="rect">
+            <a:avLst/>
+          </a:prstGeom>
+          <a:noFill/>
+        </p:spPr>
+        <p:txBody>
+          <a:bodyPr wrap="none" rtlCol="0">
+            <a:spAutoFit/>
+          </a:bodyPr>
+          <a:lstStyle/>
+          <a:p>
+            <a:r>
+              <a:rPr lang="ru-RU" sz="3200" dirty="0"/>
+              <a:t>Концепт</a:t>
+            </a:r>
+          </a:p>
+        </p:txBody>
+      </p:sp>
       <p:pic>
         <p:nvPicPr>
-          <p:cNvPr id="5" name="Объект 4" descr="Изображение выглядит как зарисовка, рисунок, Штриховая графика, иллюстрация">
-            <a:extLst>
-              <a:ext uri="{FF2B5EF4-FFF2-40B4-BE49-F238E27FC236}">
-                <a16:creationId xmlns:a16="http://schemas.microsoft.com/office/drawing/2014/main" id="{6E080E42-5AE4-0A2E-A445-AE072E113EEE}"/>
+          <p:cNvPr id="9" name="Рисунок 8">
+            <a:extLst>
+              <a:ext uri="{FF2B5EF4-FFF2-40B4-BE49-F238E27FC236}">
+                <a16:creationId xmlns:a16="http://schemas.microsoft.com/office/drawing/2014/main" id="{8510E1B4-68FC-FA24-7D12-DD62FE2CEB8E}"/>
               </a:ext>
             </a:extLst>
           </p:cNvPr>
           <p:cNvPicPr>
-            <a:picLocks noGrp="1" noChangeAspect="1"/>
+            <a:picLocks noChangeAspect="1"/>
           </p:cNvPicPr>
-          <p:nvPr>
-            <p:ph idx="1"/>
-          </p:nvPr>
+          <p:nvPr/>
         </p:nvPicPr>
         <p:blipFill>
           <a:blip r:embed="rId2">
@@ -3550,8 +3596,8 @@
         </p:blipFill>
         <p:spPr>
           <a:xfrm>
-            <a:off x="2136029" y="463593"/>
-            <a:ext cx="7799426" cy="5930814"/>
+            <a:off x="1847887" y="1075711"/>
+            <a:ext cx="7280745" cy="5536400"/>
           </a:xfrm>
           <a:prstGeom prst="rect">
             <a:avLst/>
@@ -3660,42 +3706,6 @@
           </a:prstGeom>
         </p:spPr>
       </p:pic>
-      <p:pic>
-        <p:nvPicPr>
-          <p:cNvPr id="21" name="Рисунок 20" descr="Изображение выглядит как бумажное полотенце, черно-белый, дизайн, искусство&#10;&#10;Контент, сгенерированный ИИ, может содержать ошибки.">
-            <a:extLst>
-              <a:ext uri="{FF2B5EF4-FFF2-40B4-BE49-F238E27FC236}">
-                <a16:creationId xmlns:a16="http://schemas.microsoft.com/office/drawing/2014/main" id="{3C6F321A-7C02-C25A-71E4-B07A09CEF9DA}"/>
-              </a:ext>
-            </a:extLst>
-          </p:cNvPr>
-          <p:cNvPicPr>
-            <a:picLocks noChangeAspect="1"/>
-          </p:cNvPicPr>
-          <p:nvPr/>
-        </p:nvPicPr>
-        <p:blipFill>
-          <a:blip r:embed="rId4">
-            <a:extLst>
-              <a:ext uri="{28A0092B-C50C-407E-A947-70E740481C1C}">
-                <a14:useLocalDpi xmlns:a14="http://schemas.microsoft.com/office/drawing/2010/main" val="0"/>
-              </a:ext>
-            </a:extLst>
-          </a:blip>
-          <a:stretch>
-            <a:fillRect/>
-          </a:stretch>
-        </p:blipFill>
-        <p:spPr>
-          <a:xfrm>
-            <a:off x="7732847" y="2324846"/>
-            <a:ext cx="3718059" cy="3718059"/>
-          </a:xfrm>
-          <a:prstGeom prst="rect">
-            <a:avLst/>
-          </a:prstGeom>
-        </p:spPr>
-      </p:pic>
       <p:sp>
         <p:nvSpPr>
           <p:cNvPr id="22" name="TextBox 21">
@@ -3862,12 +3872,57 @@
           </a:extLst>
         </p:spPr>
       </p:pic>
+      <p:sp>
+        <p:nvSpPr>
+          <p:cNvPr id="4" name="TextBox 3">
+            <a:extLst>
+              <a:ext uri="{FF2B5EF4-FFF2-40B4-BE49-F238E27FC236}">
+                <a16:creationId xmlns:a16="http://schemas.microsoft.com/office/drawing/2014/main" id="{59CEE560-268D-8E87-9C1C-2DCBAAFC8082}"/>
+              </a:ext>
+            </a:extLst>
+          </p:cNvPr>
+          <p:cNvSpPr txBox="1"/>
+          <p:nvPr/>
+        </p:nvSpPr>
+        <p:spPr>
+          <a:xfrm>
+            <a:off x="3211278" y="638549"/>
+            <a:ext cx="5548314" cy="646331"/>
+          </a:xfrm>
+          <a:prstGeom prst="rect">
+            <a:avLst/>
+          </a:prstGeom>
+          <a:noFill/>
+        </p:spPr>
+        <p:txBody>
+          <a:bodyPr wrap="none" rtlCol="0">
+            <a:spAutoFit/>
+          </a:bodyPr>
+          <a:lstStyle/>
+          <a:p>
+            <a:r>
+              <a:rPr lang="ru-RU" dirty="0"/>
+              <a:t>Игры, </a:t>
+            </a:r>
+            <a:r>
+              <a:rPr lang="ru-RU" strike="sngStrike" dirty="0"/>
+              <a:t>из которых буду бессовестно брать механики</a:t>
+            </a:r>
+          </a:p>
+          <a:p>
+            <a:r>
+              <a:rPr lang="ru-RU" dirty="0"/>
+              <a:t>которыми буду вдохновляться</a:t>
+            </a:r>
+          </a:p>
+        </p:txBody>
+      </p:sp>
       <p:pic>
         <p:nvPicPr>
-          <p:cNvPr id="1030" name="Picture 6" descr="Picture background">
-            <a:extLst>
-              <a:ext uri="{FF2B5EF4-FFF2-40B4-BE49-F238E27FC236}">
-                <a16:creationId xmlns:a16="http://schemas.microsoft.com/office/drawing/2014/main" id="{81F48747-3DC3-47E1-5D89-B1CCEE3105FC}"/>
+          <p:cNvPr id="2" name="Picture 2">
+            <a:extLst>
+              <a:ext uri="{FF2B5EF4-FFF2-40B4-BE49-F238E27FC236}">
+                <a16:creationId xmlns:a16="http://schemas.microsoft.com/office/drawing/2014/main" id="{CDAA52FB-9814-51C9-872F-1C088AB4AA1C}"/>
               </a:ext>
             </a:extLst>
           </p:cNvPr>
@@ -3891,8 +3946,8 @@
         </p:blipFill>
         <p:spPr bwMode="auto">
           <a:xfrm>
-            <a:off x="3753223" y="4024031"/>
-            <a:ext cx="4464424" cy="2511239"/>
+            <a:off x="3717371" y="4040841"/>
+            <a:ext cx="4757257" cy="2632349"/>
           </a:xfrm>
           <a:prstGeom prst="rect">
             <a:avLst/>
@@ -3909,51 +3964,6 @@
           </a:extLst>
         </p:spPr>
       </p:pic>
-      <p:sp>
-        <p:nvSpPr>
-          <p:cNvPr id="4" name="TextBox 3">
-            <a:extLst>
-              <a:ext uri="{FF2B5EF4-FFF2-40B4-BE49-F238E27FC236}">
-                <a16:creationId xmlns:a16="http://schemas.microsoft.com/office/drawing/2014/main" id="{59CEE560-268D-8E87-9C1C-2DCBAAFC8082}"/>
-              </a:ext>
-            </a:extLst>
-          </p:cNvPr>
-          <p:cNvSpPr txBox="1"/>
-          <p:nvPr/>
-        </p:nvSpPr>
-        <p:spPr>
-          <a:xfrm>
-            <a:off x="3211278" y="638549"/>
-            <a:ext cx="5548314" cy="646331"/>
-          </a:xfrm>
-          <a:prstGeom prst="rect">
-            <a:avLst/>
-          </a:prstGeom>
-          <a:noFill/>
-        </p:spPr>
-        <p:txBody>
-          <a:bodyPr wrap="none" rtlCol="0">
-            <a:spAutoFit/>
-          </a:bodyPr>
-          <a:lstStyle/>
-          <a:p>
-            <a:r>
-              <a:rPr lang="ru-RU" dirty="0"/>
-              <a:t>Игры, </a:t>
-            </a:r>
-            <a:r>
-              <a:rPr lang="ru-RU" strike="sngStrike" dirty="0"/>
-              <a:t>из которых буду бессовестно брать механики</a:t>
-            </a:r>
-          </a:p>
-          <a:p>
-            <a:r>
-              <a:rPr lang="ru-RU" dirty="0"/>
-              <a:t>которыми буду вдохновляться</a:t>
-            </a:r>
-          </a:p>
-        </p:txBody>
-      </p:sp>
     </p:spTree>
     <p:extLst>
       <p:ext uri="{BB962C8B-B14F-4D97-AF65-F5344CB8AC3E}">
